--- a/WebProject.pptx
+++ b/WebProject.pptx
@@ -4492,12 +4492,20 @@
               <a:t>:</a:t>
             </a:r>
             <a:r>
-              <a:rPr lang="en-US" dirty="0"/>
+              <a:rPr lang="en-US"/>
               <a:t>	</a:t>
             </a:r>
             <a:r>
-              <a:rPr dirty="0"/>
-              <a:t>PES1201700111</a:t>
+              <a:rPr/>
+              <a:t>PES1201700</a:t>
+            </a:r>
+            <a:r>
+              <a:rPr lang="en-US"/>
+              <a:t>91</a:t>
+            </a:r>
+            <a:r>
+              <a:rPr lang="en-US"/>
+              <a:t>3</a:t>
             </a:r>
             <a:endParaRPr lang="en-US" dirty="0"/>
           </a:p>
